--- a/highlight/data/highlight_template.pptx
+++ b/highlight/data/highlight_template.pptx
@@ -280,7 +280,7 @@
               <a:pPr>
                 <a:defRPr/>
               </a:pPr>
-              <a:t>9/5/24</a:t>
+              <a:t>9/25/24</a:t>
             </a:fld>
             <a:endParaRPr lang="en-US" dirty="0"/>
           </a:p>
@@ -1057,7 +1057,7 @@
               <a:pPr>
                 <a:defRPr/>
               </a:pPr>
-              <a:t>9/5/24</a:t>
+              <a:t>9/25/24</a:t>
             </a:fld>
             <a:endParaRPr lang="en-US" dirty="0"/>
           </a:p>
@@ -1247,7 +1247,7 @@
               <a:pPr>
                 <a:defRPr/>
               </a:pPr>
-              <a:t>9/5/24</a:t>
+              <a:t>9/25/24</a:t>
             </a:fld>
             <a:endParaRPr lang="en-US" dirty="0"/>
           </a:p>
@@ -1447,7 +1447,7 @@
               <a:pPr>
                 <a:defRPr/>
               </a:pPr>
-              <a:t>9/5/24</a:t>
+              <a:t>9/25/24</a:t>
             </a:fld>
             <a:endParaRPr lang="en-US" dirty="0"/>
           </a:p>
@@ -1725,7 +1725,7 @@
               <a:pPr>
                 <a:defRPr/>
               </a:pPr>
-              <a:t>9/5/24</a:t>
+              <a:t>9/25/24</a:t>
             </a:fld>
             <a:endParaRPr lang="en-US" dirty="0"/>
           </a:p>
@@ -1992,7 +1992,7 @@
               <a:pPr>
                 <a:defRPr/>
               </a:pPr>
-              <a:t>9/5/24</a:t>
+              <a:t>9/25/24</a:t>
             </a:fld>
             <a:endParaRPr lang="en-US" dirty="0"/>
           </a:p>
@@ -2299,7 +2299,7 @@
               <a:pPr>
                 <a:defRPr/>
               </a:pPr>
-              <a:t>9/5/24</a:t>
+              <a:t>9/25/24</a:t>
             </a:fld>
             <a:endParaRPr lang="en-US" dirty="0"/>
           </a:p>
@@ -2740,7 +2740,7 @@
               <a:pPr>
                 <a:defRPr/>
               </a:pPr>
-              <a:t>9/5/24</a:t>
+              <a:t>9/25/24</a:t>
             </a:fld>
             <a:endParaRPr lang="en-US" dirty="0"/>
           </a:p>
@@ -2879,7 +2879,7 @@
               <a:pPr>
                 <a:defRPr/>
               </a:pPr>
-              <a:t>9/5/24</a:t>
+              <a:t>9/25/24</a:t>
             </a:fld>
             <a:endParaRPr lang="en-US" dirty="0"/>
           </a:p>
@@ -2996,7 +2996,7 @@
               <a:pPr>
                 <a:defRPr/>
               </a:pPr>
-              <a:t>9/5/24</a:t>
+              <a:t>9/25/24</a:t>
             </a:fld>
             <a:endParaRPr lang="en-US" dirty="0"/>
           </a:p>
@@ -3293,7 +3293,7 @@
               <a:pPr>
                 <a:defRPr/>
               </a:pPr>
-              <a:t>9/5/24</a:t>
+              <a:t>9/25/24</a:t>
             </a:fld>
             <a:endParaRPr lang="en-US" dirty="0"/>
           </a:p>
@@ -3574,7 +3574,7 @@
               <a:pPr>
                 <a:defRPr/>
               </a:pPr>
-              <a:t>9/5/24</a:t>
+              <a:t>9/25/24</a:t>
             </a:fld>
             <a:endParaRPr lang="en-US" dirty="0"/>
           </a:p>
@@ -3865,7 +3865,7 @@
               <a:pPr>
                 <a:defRPr/>
               </a:pPr>
-              <a:t>9/5/24</a:t>
+              <a:t>9/25/24</a:t>
             </a:fld>
             <a:endParaRPr lang="en-US" dirty="0"/>
           </a:p>
@@ -4381,6 +4381,55 @@
       </p:grpSpPr>
       <p:sp>
         <p:nvSpPr>
+          <p:cNvPr id="6" name="Rectangle 5">
+            <a:extLst>
+              <a:ext uri="{FF2B5EF4-FFF2-40B4-BE49-F238E27FC236}">
+                <a16:creationId xmlns:a16="http://schemas.microsoft.com/office/drawing/2014/main" id="{0A435346-8136-0D74-A427-914B013954E1}"/>
+              </a:ext>
+            </a:extLst>
+          </p:cNvPr>
+          <p:cNvSpPr/>
+          <p:nvPr/>
+        </p:nvSpPr>
+        <p:spPr>
+          <a:xfrm>
+            <a:off x="6238077" y="838200"/>
+            <a:ext cx="5598307" cy="3964155"/>
+          </a:xfrm>
+          <a:prstGeom prst="rect">
+            <a:avLst/>
+          </a:prstGeom>
+        </p:spPr>
+        <p:style>
+          <a:lnRef idx="2">
+            <a:schemeClr val="accent1">
+              <a:shade val="15000"/>
+            </a:schemeClr>
+          </a:lnRef>
+          <a:fillRef idx="1">
+            <a:schemeClr val="accent1"/>
+          </a:fillRef>
+          <a:effectRef idx="0">
+            <a:schemeClr val="accent1"/>
+          </a:effectRef>
+          <a:fontRef idx="minor">
+            <a:schemeClr val="lt1"/>
+          </a:fontRef>
+        </p:style>
+        <p:txBody>
+          <a:bodyPr rtlCol="0" anchor="ctr"/>
+          <a:lstStyle/>
+          <a:p>
+            <a:pPr algn="ctr"/>
+            <a:r>
+              <a:rPr lang="en-US" dirty="0"/>
+              <a:t>Image_0</a:t>
+            </a:r>
+          </a:p>
+        </p:txBody>
+      </p:sp>
+      <p:sp>
+        <p:nvSpPr>
           <p:cNvPr id="3075" name="Rectangle 4"/>
           <p:cNvSpPr>
             <a:spLocks noChangeArrowheads="1"/>
@@ -4389,8 +4438,8 @@
         </p:nvSpPr>
         <p:spPr bwMode="auto">
           <a:xfrm>
-            <a:off x="140336" y="1081238"/>
-            <a:ext cx="5834666" cy="1280961"/>
+            <a:off x="78297" y="1081239"/>
+            <a:ext cx="5896705" cy="688620"/>
           </a:xfrm>
           <a:prstGeom prst="rect">
             <a:avLst/>
@@ -4423,12 +4472,10 @@
           <a:bodyPr lIns="91440" tIns="45720" rIns="91440" bIns="45720" anchor="t"/>
           <a:lstStyle/>
           <a:p>
-            <a:pPr marL="285750" indent="-285750">
+            <a:pPr>
               <a:spcBef>
                 <a:spcPct val="15000"/>
               </a:spcBef>
-              <a:buFont typeface="Arial" pitchFamily="34" charset="0"/>
-              <a:buChar char="●"/>
               <a:defRPr/>
             </a:pPr>
             <a:r>
@@ -4439,11 +4486,6 @@
               </a:rPr>
               <a:t>objective_0</a:t>
             </a:r>
-            <a:endParaRPr lang="en-US" sz="1400" b="1" dirty="0">
-              <a:solidFill>
-                <a:prstClr val="black"/>
-              </a:solidFill>
-            </a:endParaRPr>
           </a:p>
         </p:txBody>
       </p:sp>
@@ -4622,7 +4664,7 @@
         </p:nvSpPr>
         <p:spPr bwMode="auto">
           <a:xfrm>
-            <a:off x="6324600" y="6151602"/>
+            <a:off x="6238077" y="5963509"/>
             <a:ext cx="5410200" cy="246221"/>
           </a:xfrm>
           <a:prstGeom prst="rect">
@@ -5003,36 +5045,6 @@
           </a:p>
         </p:txBody>
       </p:sp>
-      <p:pic>
-        <p:nvPicPr>
-          <p:cNvPr id="2" name="Picture 1">
-            <a:extLst>
-              <a:ext uri="{FF2B5EF4-FFF2-40B4-BE49-F238E27FC236}">
-                <a16:creationId xmlns:a16="http://schemas.microsoft.com/office/drawing/2014/main" id="{4C81313B-C7F4-3FF8-E29E-1FEDAC9A6D15}"/>
-              </a:ext>
-            </a:extLst>
-          </p:cNvPr>
-          <p:cNvPicPr>
-            <a:picLocks noChangeAspect="1"/>
-          </p:cNvPicPr>
-          <p:nvPr/>
-        </p:nvPicPr>
-        <p:blipFill>
-          <a:blip r:embed="rId3"/>
-          <a:stretch>
-            <a:fillRect/>
-          </a:stretch>
-        </p:blipFill>
-        <p:spPr>
-          <a:xfrm>
-            <a:off x="6238077" y="838200"/>
-            <a:ext cx="5598307" cy="3964155"/>
-          </a:xfrm>
-          <a:prstGeom prst="rect">
-            <a:avLst/>
-          </a:prstGeom>
-        </p:spPr>
-      </p:pic>
       <p:sp>
         <p:nvSpPr>
           <p:cNvPr id="3" name="Rectangle 4">
@@ -5049,8 +5061,8 @@
         </p:nvSpPr>
         <p:spPr bwMode="auto">
           <a:xfrm>
-            <a:off x="160106" y="2239566"/>
-            <a:ext cx="5834666" cy="1859756"/>
+            <a:off x="98067" y="1974034"/>
+            <a:ext cx="5896705" cy="2143182"/>
           </a:xfrm>
           <a:prstGeom prst="rect">
             <a:avLst/>
@@ -5083,12 +5095,10 @@
           <a:bodyPr lIns="91440" tIns="45720" rIns="91440" bIns="45720" anchor="t"/>
           <a:lstStyle/>
           <a:p>
-            <a:pPr marL="285750" indent="-285750">
+            <a:pPr>
               <a:spcBef>
                 <a:spcPct val="15000"/>
               </a:spcBef>
-              <a:buFont typeface="Arial" pitchFamily="34" charset="0"/>
-              <a:buChar char="●"/>
               <a:defRPr/>
             </a:pPr>
             <a:r>
@@ -5099,57 +5109,6 @@
               </a:rPr>
               <a:t>approach_0</a:t>
             </a:r>
-          </a:p>
-          <a:p>
-            <a:pPr marL="285750" indent="-285750">
-              <a:spcBef>
-                <a:spcPct val="15000"/>
-              </a:spcBef>
-              <a:buFont typeface="Arial" pitchFamily="34" charset="0"/>
-              <a:buChar char="●"/>
-              <a:defRPr/>
-            </a:pPr>
-            <a:r>
-              <a:rPr lang="en-US" sz="1400" dirty="0">
-                <a:solidFill>
-                  <a:prstClr val="black"/>
-                </a:solidFill>
-              </a:rPr>
-              <a:t>approach_1</a:t>
-            </a:r>
-          </a:p>
-          <a:p>
-            <a:pPr marL="285750" indent="-285750">
-              <a:spcBef>
-                <a:spcPct val="15000"/>
-              </a:spcBef>
-              <a:buFont typeface="Arial" pitchFamily="34" charset="0"/>
-              <a:buChar char="●"/>
-              <a:defRPr/>
-            </a:pPr>
-            <a:r>
-              <a:rPr lang="en-US" sz="1400" dirty="0">
-                <a:solidFill>
-                  <a:prstClr val="black"/>
-                </a:solidFill>
-              </a:rPr>
-              <a:t>approach_2</a:t>
-            </a:r>
-          </a:p>
-          <a:p>
-            <a:pPr marL="285750" indent="-285750">
-              <a:spcBef>
-                <a:spcPct val="15000"/>
-              </a:spcBef>
-              <a:buFont typeface="Arial" pitchFamily="34" charset="0"/>
-              <a:buChar char="●"/>
-              <a:defRPr/>
-            </a:pPr>
-            <a:endParaRPr lang="en-US" sz="1400" dirty="0">
-              <a:solidFill>
-                <a:prstClr val="black"/>
-              </a:solidFill>
-            </a:endParaRPr>
           </a:p>
         </p:txBody>
       </p:sp>
@@ -5169,8 +5128,8 @@
         </p:nvSpPr>
         <p:spPr bwMode="auto">
           <a:xfrm>
-            <a:off x="145098" y="4086225"/>
-            <a:ext cx="5834666" cy="2466975"/>
+            <a:off x="145098" y="4402342"/>
+            <a:ext cx="5834666" cy="2355720"/>
           </a:xfrm>
           <a:prstGeom prst="rect">
             <a:avLst/>
@@ -5203,12 +5162,10 @@
           <a:bodyPr lIns="91440" tIns="45720" rIns="91440" bIns="45720" anchor="t"/>
           <a:lstStyle/>
           <a:p>
-            <a:pPr marL="283464" indent="-283464">
+            <a:pPr>
               <a:spcBef>
                 <a:spcPct val="15000"/>
               </a:spcBef>
-              <a:buFont typeface="Arial" panose="020B0604020202020204" pitchFamily="34" charset="0"/>
-              <a:buChar char="●"/>
             </a:pPr>
             <a:r>
               <a:rPr lang="en-US" altLang="en-US" sz="1400" dirty="0">
@@ -5217,40 +5174,6 @@
                 </a:solidFill>
               </a:rPr>
               <a:t>impact_0</a:t>
-            </a:r>
-          </a:p>
-          <a:p>
-            <a:pPr marL="283464" indent="-283464">
-              <a:spcBef>
-                <a:spcPct val="15000"/>
-              </a:spcBef>
-              <a:buFont typeface="Arial" panose="020B0604020202020204" pitchFamily="34" charset="0"/>
-              <a:buChar char="●"/>
-            </a:pPr>
-            <a:r>
-              <a:rPr lang="en-US" altLang="en-US" sz="1400" dirty="0">
-                <a:solidFill>
-                  <a:srgbClr val="000000"/>
-                </a:solidFill>
-              </a:rPr>
-              <a:t>impact_1</a:t>
-            </a:r>
-          </a:p>
-          <a:p>
-            <a:pPr marL="283464" indent="-283464">
-              <a:spcBef>
-                <a:spcPct val="15000"/>
-              </a:spcBef>
-              <a:buFont typeface="Arial" panose="020B0604020202020204" pitchFamily="34" charset="0"/>
-              <a:buChar char="●"/>
-            </a:pPr>
-            <a:r>
-              <a:rPr lang="en-US" altLang="en-US" sz="1400" dirty="0">
-                <a:solidFill>
-                  <a:srgbClr val="000000"/>
-                </a:solidFill>
-              </a:rPr>
-              <a:t>impact_2</a:t>
             </a:r>
           </a:p>
         </p:txBody>
@@ -5271,8 +5194,8 @@
         </p:nvSpPr>
         <p:spPr bwMode="auto">
           <a:xfrm>
-            <a:off x="179929" y="803379"/>
-            <a:ext cx="5834666" cy="372926"/>
+            <a:off x="98066" y="803379"/>
+            <a:ext cx="5997933" cy="372926"/>
           </a:xfrm>
           <a:prstGeom prst="rect">
             <a:avLst/>
@@ -5338,8 +5261,8 @@
         </p:nvSpPr>
         <p:spPr bwMode="auto">
           <a:xfrm>
-            <a:off x="175167" y="1941932"/>
-            <a:ext cx="5834666" cy="372926"/>
+            <a:off x="98066" y="1676400"/>
+            <a:ext cx="5997933" cy="372926"/>
           </a:xfrm>
           <a:prstGeom prst="rect">
             <a:avLst/>
@@ -5405,8 +5328,8 @@
         </p:nvSpPr>
         <p:spPr bwMode="auto">
           <a:xfrm>
-            <a:off x="175167" y="3760640"/>
-            <a:ext cx="5834666" cy="372926"/>
+            <a:off x="98067" y="4117216"/>
+            <a:ext cx="5997932" cy="372926"/>
           </a:xfrm>
           <a:prstGeom prst="rect">
             <a:avLst/>
@@ -5452,6 +5375,47 @@
                 </a:solidFill>
               </a:rPr>
               <a:t>Impact</a:t>
+            </a:r>
+          </a:p>
+        </p:txBody>
+      </p:sp>
+      <p:sp>
+        <p:nvSpPr>
+          <p:cNvPr id="5" name="TextBox 4">
+            <a:extLst>
+              <a:ext uri="{FF2B5EF4-FFF2-40B4-BE49-F238E27FC236}">
+                <a16:creationId xmlns:a16="http://schemas.microsoft.com/office/drawing/2014/main" id="{770A15A0-7B42-9D2D-926F-B99FE1EF247E}"/>
+              </a:ext>
+            </a:extLst>
+          </p:cNvPr>
+          <p:cNvSpPr txBox="1"/>
+          <p:nvPr/>
+        </p:nvSpPr>
+        <p:spPr>
+          <a:xfrm>
+            <a:off x="35168" y="6524061"/>
+            <a:ext cx="12031893" cy="276999"/>
+          </a:xfrm>
+          <a:prstGeom prst="rect">
+            <a:avLst/>
+          </a:prstGeom>
+          <a:noFill/>
+        </p:spPr>
+        <p:txBody>
+          <a:bodyPr wrap="square" rtlCol="0">
+            <a:spAutoFit/>
+          </a:bodyPr>
+          <a:lstStyle/>
+          <a:p>
+            <a:pPr algn="r"/>
+            <a:r>
+              <a:rPr lang="en-US" sz="1200" i="1" dirty="0">
+                <a:effectLst/>
+                <a:latin typeface="Calibri" panose="020F0502020204030204" pitchFamily="34" charset="0"/>
+                <a:ea typeface="SimSun" panose="02010600030101010101" pitchFamily="2" charset="-122"/>
+                <a:cs typeface="Arial" panose="020B0604020202020204" pitchFamily="34" charset="0"/>
+              </a:rPr>
+              <a:t>First draft generated using PAIGE, the AI assistant for generating publication highlights.</a:t>
             </a:r>
           </a:p>
         </p:txBody>
@@ -6035,6 +5999,34 @@
 </file>
 
 <file path=customXml/item1.xml><?xml version="1.0" encoding="utf-8"?>
+<p:properties xmlns:p="http://schemas.microsoft.com/office/2006/metadata/properties" xmlns:xsi="http://www.w3.org/2001/XMLSchema-instance" xmlns:pc="http://schemas.microsoft.com/office/infopath/2007/PartnerControls">
+  <documentManagement>
+    <lcf76f155ced4ddcb4097134ff3c332f xmlns="d8a9b28a-468d-4f89-a24a-ae448d085101">
+      <Terms xmlns="http://schemas.microsoft.com/office/infopath/2007/PartnerControls"/>
+    </lcf76f155ced4ddcb4097134ff3c332f>
+    <TaxCatchAll xmlns="46a18389-f917-48ab-8f10-3a1967a18774" xsi:nil="true"/>
+    <SharedWithUsers xmlns="46a18389-f917-48ab-8f10-3a1967a18774">
+      <UserInfo>
+        <DisplayName>Rice, Jennie S</DisplayName>
+        <AccountId>12</AccountId>
+        <AccountType/>
+      </UserInfo>
+      <UserInfo>
+        <DisplayName>Vernon, Chris R</DisplayName>
+        <AccountId>27</AccountId>
+        <AccountType/>
+      </UserInfo>
+      <UserInfo>
+        <DisplayName>Mcgrath, Casey R</DisplayName>
+        <AccountId>11</AccountId>
+        <AccountType/>
+      </UserInfo>
+    </SharedWithUsers>
+  </documentManagement>
+</p:properties>
+</file>
+
+<file path=customXml/item2.xml><?xml version="1.0" encoding="utf-8"?>
 <ct:contentTypeSchema xmlns:ct="http://schemas.microsoft.com/office/2006/metadata/contentType" xmlns:ma="http://schemas.microsoft.com/office/2006/metadata/properties/metaAttributes" ct:_="" ma:_="" ma:contentTypeName="Document" ma:contentTypeID="0x01010043F6AD9F8B4FFE4AB38BD0C762315BE6" ma:contentTypeVersion="12" ma:contentTypeDescription="Create a new document." ma:contentTypeScope="" ma:versionID="e422ebd4274b3a162ca1fec6100d2eff">
   <xsd:schema xmlns:xsd="http://www.w3.org/2001/XMLSchema" xmlns:xs="http://www.w3.org/2001/XMLSchema" xmlns:p="http://schemas.microsoft.com/office/2006/metadata/properties" xmlns:ns2="d8a9b28a-468d-4f89-a24a-ae448d085101" xmlns:ns3="46a18389-f917-48ab-8f10-3a1967a18774" targetNamespace="http://schemas.microsoft.com/office/2006/metadata/properties" ma:root="true" ma:fieldsID="1e56ff8d7fa227df85432f8c13b5b208" ns2:_="" ns3:_="">
     <xsd:import namespace="d8a9b28a-468d-4f89-a24a-ae448d085101"/>
@@ -6251,7 +6243,7 @@
 </ct:contentTypeSchema>
 </file>
 
-<file path=customXml/item2.xml><?xml version="1.0" encoding="utf-8"?>
+<file path=customXml/item3.xml><?xml version="1.0" encoding="utf-8"?>
 <?mso-contentType ?>
 <FormTemplates xmlns="http://schemas.microsoft.com/sharepoint/v3/contenttype/forms">
   <Display>DocumentLibraryForm</Display>
@@ -6260,35 +6252,24 @@
 </FormTemplates>
 </file>
 
-<file path=customXml/item3.xml><?xml version="1.0" encoding="utf-8"?>
-<p:properties xmlns:p="http://schemas.microsoft.com/office/2006/metadata/properties" xmlns:xsi="http://www.w3.org/2001/XMLSchema-instance" xmlns:pc="http://schemas.microsoft.com/office/infopath/2007/PartnerControls">
-  <documentManagement>
-    <lcf76f155ced4ddcb4097134ff3c332f xmlns="d8a9b28a-468d-4f89-a24a-ae448d085101">
-      <Terms xmlns="http://schemas.microsoft.com/office/infopath/2007/PartnerControls"/>
-    </lcf76f155ced4ddcb4097134ff3c332f>
-    <TaxCatchAll xmlns="46a18389-f917-48ab-8f10-3a1967a18774" xsi:nil="true"/>
-    <SharedWithUsers xmlns="46a18389-f917-48ab-8f10-3a1967a18774">
-      <UserInfo>
-        <DisplayName>Rice, Jennie S</DisplayName>
-        <AccountId>12</AccountId>
-        <AccountType/>
-      </UserInfo>
-      <UserInfo>
-        <DisplayName>Vernon, Chris R</DisplayName>
-        <AccountId>27</AccountId>
-        <AccountType/>
-      </UserInfo>
-      <UserInfo>
-        <DisplayName>Mcgrath, Casey R</DisplayName>
-        <AccountId>11</AccountId>
-        <AccountType/>
-      </UserInfo>
-    </SharedWithUsers>
-  </documentManagement>
-</p:properties>
+<file path=customXml/itemProps1.xml><?xml version="1.0" encoding="utf-8"?>
+<ds:datastoreItem xmlns:ds="http://schemas.openxmlformats.org/officeDocument/2006/customXml" ds:itemID="{8A57D9F0-2B85-430B-8843-0027C0E6F07C}">
+  <ds:schemaRefs>
+    <ds:schemaRef ds:uri="http://www.w3.org/XML/1998/namespace"/>
+    <ds:schemaRef ds:uri="http://purl.org/dc/dcmitype/"/>
+    <ds:schemaRef ds:uri="http://purl.org/dc/elements/1.1/"/>
+    <ds:schemaRef ds:uri="d8a9b28a-468d-4f89-a24a-ae448d085101"/>
+    <ds:schemaRef ds:uri="http://purl.org/dc/terms/"/>
+    <ds:schemaRef ds:uri="http://schemas.microsoft.com/office/infopath/2007/PartnerControls"/>
+    <ds:schemaRef ds:uri="http://schemas.microsoft.com/office/2006/documentManagement/types"/>
+    <ds:schemaRef ds:uri="http://schemas.openxmlformats.org/package/2006/metadata/core-properties"/>
+    <ds:schemaRef ds:uri="46a18389-f917-48ab-8f10-3a1967a18774"/>
+    <ds:schemaRef ds:uri="http://schemas.microsoft.com/office/2006/metadata/properties"/>
+  </ds:schemaRefs>
+</ds:datastoreItem>
 </file>
 
-<file path=customXml/itemProps1.xml><?xml version="1.0" encoding="utf-8"?>
+<file path=customXml/itemProps2.xml><?xml version="1.0" encoding="utf-8"?>
 <ds:datastoreItem xmlns:ds="http://schemas.openxmlformats.org/officeDocument/2006/customXml" ds:itemID="{E3C549A3-69A4-4111-9D7F-9ED6E69EE5C4}">
   <ds:schemaRefs>
     <ds:schemaRef ds:uri="http://schemas.microsoft.com/office/2006/metadata/contentType"/>
@@ -6307,27 +6288,10 @@
 </ds:datastoreItem>
 </file>
 
-<file path=customXml/itemProps2.xml><?xml version="1.0" encoding="utf-8"?>
+<file path=customXml/itemProps3.xml><?xml version="1.0" encoding="utf-8"?>
 <ds:datastoreItem xmlns:ds="http://schemas.openxmlformats.org/officeDocument/2006/customXml" ds:itemID="{2C74935E-4390-47DD-99CE-60A5373B7B50}">
   <ds:schemaRefs>
     <ds:schemaRef ds:uri="http://schemas.microsoft.com/sharepoint/v3/contenttype/forms"/>
   </ds:schemaRefs>
 </ds:datastoreItem>
-</file>
-
-<file path=customXml/itemProps3.xml><?xml version="1.0" encoding="utf-8"?>
-<ds:datastoreItem xmlns:ds="http://schemas.openxmlformats.org/officeDocument/2006/customXml" ds:itemID="{8A57D9F0-2B85-430B-8843-0027C0E6F07C}">
-  <ds:schemaRefs>
-    <ds:schemaRef ds:uri="http://www.w3.org/XML/1998/namespace"/>
-    <ds:schemaRef ds:uri="http://purl.org/dc/dcmitype/"/>
-    <ds:schemaRef ds:uri="http://purl.org/dc/elements/1.1/"/>
-    <ds:schemaRef ds:uri="d8a9b28a-468d-4f89-a24a-ae448d085101"/>
-    <ds:schemaRef ds:uri="http://purl.org/dc/terms/"/>
-    <ds:schemaRef ds:uri="http://schemas.microsoft.com/office/infopath/2007/PartnerControls"/>
-    <ds:schemaRef ds:uri="http://schemas.microsoft.com/office/2006/documentManagement/types"/>
-    <ds:schemaRef ds:uri="http://schemas.openxmlformats.org/package/2006/metadata/core-properties"/>
-    <ds:schemaRef ds:uri="46a18389-f917-48ab-8f10-3a1967a18774"/>
-    <ds:schemaRef ds:uri="http://schemas.microsoft.com/office/2006/metadata/properties"/>
-  </ds:schemaRefs>
-</ds:datastoreItem>
 </file>
--- a/highlight/data/highlight_template.pptx
+++ b/highlight/data/highlight_template.pptx
@@ -280,7 +280,7 @@
               <a:pPr>
                 <a:defRPr/>
               </a:pPr>
-              <a:t>9/25/24</a:t>
+              <a:t>10/8/24</a:t>
             </a:fld>
             <a:endParaRPr lang="en-US" dirty="0"/>
           </a:p>
@@ -1057,7 +1057,7 @@
               <a:pPr>
                 <a:defRPr/>
               </a:pPr>
-              <a:t>9/25/24</a:t>
+              <a:t>10/8/24</a:t>
             </a:fld>
             <a:endParaRPr lang="en-US" dirty="0"/>
           </a:p>
@@ -1247,7 +1247,7 @@
               <a:pPr>
                 <a:defRPr/>
               </a:pPr>
-              <a:t>9/25/24</a:t>
+              <a:t>10/8/24</a:t>
             </a:fld>
             <a:endParaRPr lang="en-US" dirty="0"/>
           </a:p>
@@ -1447,7 +1447,7 @@
               <a:pPr>
                 <a:defRPr/>
               </a:pPr>
-              <a:t>9/25/24</a:t>
+              <a:t>10/8/24</a:t>
             </a:fld>
             <a:endParaRPr lang="en-US" dirty="0"/>
           </a:p>
@@ -1725,7 +1725,7 @@
               <a:pPr>
                 <a:defRPr/>
               </a:pPr>
-              <a:t>9/25/24</a:t>
+              <a:t>10/8/24</a:t>
             </a:fld>
             <a:endParaRPr lang="en-US" dirty="0"/>
           </a:p>
@@ -1992,7 +1992,7 @@
               <a:pPr>
                 <a:defRPr/>
               </a:pPr>
-              <a:t>9/25/24</a:t>
+              <a:t>10/8/24</a:t>
             </a:fld>
             <a:endParaRPr lang="en-US" dirty="0"/>
           </a:p>
@@ -2299,7 +2299,7 @@
               <a:pPr>
                 <a:defRPr/>
               </a:pPr>
-              <a:t>9/25/24</a:t>
+              <a:t>10/8/24</a:t>
             </a:fld>
             <a:endParaRPr lang="en-US" dirty="0"/>
           </a:p>
@@ -2740,7 +2740,7 @@
               <a:pPr>
                 <a:defRPr/>
               </a:pPr>
-              <a:t>9/25/24</a:t>
+              <a:t>10/8/24</a:t>
             </a:fld>
             <a:endParaRPr lang="en-US" dirty="0"/>
           </a:p>
@@ -2879,7 +2879,7 @@
               <a:pPr>
                 <a:defRPr/>
               </a:pPr>
-              <a:t>9/25/24</a:t>
+              <a:t>10/8/24</a:t>
             </a:fld>
             <a:endParaRPr lang="en-US" dirty="0"/>
           </a:p>
@@ -2996,7 +2996,7 @@
               <a:pPr>
                 <a:defRPr/>
               </a:pPr>
-              <a:t>9/25/24</a:t>
+              <a:t>10/8/24</a:t>
             </a:fld>
             <a:endParaRPr lang="en-US" dirty="0"/>
           </a:p>
@@ -3293,7 +3293,7 @@
               <a:pPr>
                 <a:defRPr/>
               </a:pPr>
-              <a:t>9/25/24</a:t>
+              <a:t>10/8/24</a:t>
             </a:fld>
             <a:endParaRPr lang="en-US" dirty="0"/>
           </a:p>
@@ -3574,7 +3574,7 @@
               <a:pPr>
                 <a:defRPr/>
               </a:pPr>
-              <a:t>9/25/24</a:t>
+              <a:t>10/8/24</a:t>
             </a:fld>
             <a:endParaRPr lang="en-US" dirty="0"/>
           </a:p>
@@ -3865,7 +3865,7 @@
               <a:pPr>
                 <a:defRPr/>
               </a:pPr>
-              <a:t>9/25/24</a:t>
+              <a:t>10/8/24</a:t>
             </a:fld>
             <a:endParaRPr lang="en-US" dirty="0"/>
           </a:p>
@@ -4479,7 +4479,7 @@
               <a:defRPr/>
             </a:pPr>
             <a:r>
-              <a:rPr lang="en-US" sz="1400" dirty="0">
+              <a:rPr lang="en-US" sz="1300" dirty="0">
                 <a:solidFill>
                   <a:prstClr val="black"/>
                 </a:solidFill>
@@ -5102,7 +5102,7 @@
               <a:defRPr/>
             </a:pPr>
             <a:r>
-              <a:rPr lang="en-US" sz="1400" dirty="0">
+              <a:rPr lang="en-US" sz="1300" dirty="0">
                 <a:solidFill>
                   <a:prstClr val="black"/>
                 </a:solidFill>
@@ -5168,7 +5168,7 @@
               </a:spcBef>
             </a:pPr>
             <a:r>
-              <a:rPr lang="en-US" altLang="en-US" sz="1400" dirty="0">
+              <a:rPr lang="en-US" altLang="en-US" sz="1300" dirty="0">
                 <a:solidFill>
                   <a:srgbClr val="000000"/>
                 </a:solidFill>
@@ -5415,7 +5415,43 @@
                 <a:ea typeface="SimSun" panose="02010600030101010101" pitchFamily="2" charset="-122"/>
                 <a:cs typeface="Arial" panose="020B0604020202020204" pitchFamily="34" charset="0"/>
               </a:rPr>
-              <a:t>First draft generated using PAIGE, the AI assistant for generating publication highlights.</a:t>
+              <a:t>First draft generated using PAIGE, the </a:t>
+            </a:r>
+            <a:r>
+              <a:rPr lang="en-US" sz="1200" i="1" dirty="0" err="1">
+                <a:effectLst/>
+                <a:latin typeface="Calibri" panose="020F0502020204030204" pitchFamily="34" charset="0"/>
+                <a:ea typeface="SimSun" panose="02010600030101010101" pitchFamily="2" charset="-122"/>
+                <a:cs typeface="Arial" panose="020B0604020202020204" pitchFamily="34" charset="0"/>
+              </a:rPr>
+              <a:t>Pnnl</a:t>
+            </a:r>
+            <a:r>
+              <a:rPr lang="en-US" sz="1200" i="1" dirty="0">
+                <a:effectLst/>
+                <a:latin typeface="Calibri" panose="020F0502020204030204" pitchFamily="34" charset="0"/>
+                <a:ea typeface="SimSun" panose="02010600030101010101" pitchFamily="2" charset="-122"/>
+                <a:cs typeface="Arial" panose="020B0604020202020204" pitchFamily="34" charset="0"/>
+              </a:rPr>
+              <a:t> AI assistant for </a:t>
+            </a:r>
+            <a:r>
+              <a:rPr lang="en-US" sz="1200" i="1" dirty="0" err="1">
+                <a:effectLst/>
+                <a:latin typeface="Calibri" panose="020F0502020204030204" pitchFamily="34" charset="0"/>
+                <a:ea typeface="SimSun" panose="02010600030101010101" pitchFamily="2" charset="-122"/>
+                <a:cs typeface="Arial" panose="020B0604020202020204" pitchFamily="34" charset="0"/>
+              </a:rPr>
+              <a:t>GEnerating</a:t>
+            </a:r>
+            <a:r>
+              <a:rPr lang="en-US" sz="1200" i="1" dirty="0">
+                <a:effectLst/>
+                <a:latin typeface="Calibri" panose="020F0502020204030204" pitchFamily="34" charset="0"/>
+                <a:ea typeface="SimSun" panose="02010600030101010101" pitchFamily="2" charset="-122"/>
+                <a:cs typeface="Arial" panose="020B0604020202020204" pitchFamily="34" charset="0"/>
+              </a:rPr>
+              <a:t>  publication highlights</a:t>
             </a:r>
           </a:p>
         </p:txBody>
@@ -5999,31 +6035,12 @@
 </file>
 
 <file path=customXml/item1.xml><?xml version="1.0" encoding="utf-8"?>
-<p:properties xmlns:p="http://schemas.microsoft.com/office/2006/metadata/properties" xmlns:xsi="http://www.w3.org/2001/XMLSchema-instance" xmlns:pc="http://schemas.microsoft.com/office/infopath/2007/PartnerControls">
-  <documentManagement>
-    <lcf76f155ced4ddcb4097134ff3c332f xmlns="d8a9b28a-468d-4f89-a24a-ae448d085101">
-      <Terms xmlns="http://schemas.microsoft.com/office/infopath/2007/PartnerControls"/>
-    </lcf76f155ced4ddcb4097134ff3c332f>
-    <TaxCatchAll xmlns="46a18389-f917-48ab-8f10-3a1967a18774" xsi:nil="true"/>
-    <SharedWithUsers xmlns="46a18389-f917-48ab-8f10-3a1967a18774">
-      <UserInfo>
-        <DisplayName>Rice, Jennie S</DisplayName>
-        <AccountId>12</AccountId>
-        <AccountType/>
-      </UserInfo>
-      <UserInfo>
-        <DisplayName>Vernon, Chris R</DisplayName>
-        <AccountId>27</AccountId>
-        <AccountType/>
-      </UserInfo>
-      <UserInfo>
-        <DisplayName>Mcgrath, Casey R</DisplayName>
-        <AccountId>11</AccountId>
-        <AccountType/>
-      </UserInfo>
-    </SharedWithUsers>
-  </documentManagement>
-</p:properties>
+<?mso-contentType ?>
+<FormTemplates xmlns="http://schemas.microsoft.com/sharepoint/v3/contenttype/forms">
+  <Display>DocumentLibraryForm</Display>
+  <Edit>DocumentLibraryForm</Edit>
+  <New>DocumentLibraryForm</New>
+</FormTemplates>
 </file>
 
 <file path=customXml/item2.xml><?xml version="1.0" encoding="utf-8"?>
@@ -6244,27 +6261,37 @@
 </file>
 
 <file path=customXml/item3.xml><?xml version="1.0" encoding="utf-8"?>
-<?mso-contentType ?>
-<FormTemplates xmlns="http://schemas.microsoft.com/sharepoint/v3/contenttype/forms">
-  <Display>DocumentLibraryForm</Display>
-  <Edit>DocumentLibraryForm</Edit>
-  <New>DocumentLibraryForm</New>
-</FormTemplates>
+<p:properties xmlns:p="http://schemas.microsoft.com/office/2006/metadata/properties" xmlns:xsi="http://www.w3.org/2001/XMLSchema-instance" xmlns:pc="http://schemas.microsoft.com/office/infopath/2007/PartnerControls">
+  <documentManagement>
+    <lcf76f155ced4ddcb4097134ff3c332f xmlns="d8a9b28a-468d-4f89-a24a-ae448d085101">
+      <Terms xmlns="http://schemas.microsoft.com/office/infopath/2007/PartnerControls"/>
+    </lcf76f155ced4ddcb4097134ff3c332f>
+    <TaxCatchAll xmlns="46a18389-f917-48ab-8f10-3a1967a18774" xsi:nil="true"/>
+    <SharedWithUsers xmlns="46a18389-f917-48ab-8f10-3a1967a18774">
+      <UserInfo>
+        <DisplayName>Rice, Jennie S</DisplayName>
+        <AccountId>12</AccountId>
+        <AccountType/>
+      </UserInfo>
+      <UserInfo>
+        <DisplayName>Vernon, Chris R</DisplayName>
+        <AccountId>27</AccountId>
+        <AccountType/>
+      </UserInfo>
+      <UserInfo>
+        <DisplayName>Mcgrath, Casey R</DisplayName>
+        <AccountId>11</AccountId>
+        <AccountType/>
+      </UserInfo>
+    </SharedWithUsers>
+  </documentManagement>
+</p:properties>
 </file>
 
 <file path=customXml/itemProps1.xml><?xml version="1.0" encoding="utf-8"?>
-<ds:datastoreItem xmlns:ds="http://schemas.openxmlformats.org/officeDocument/2006/customXml" ds:itemID="{8A57D9F0-2B85-430B-8843-0027C0E6F07C}">
+<ds:datastoreItem xmlns:ds="http://schemas.openxmlformats.org/officeDocument/2006/customXml" ds:itemID="{2C74935E-4390-47DD-99CE-60A5373B7B50}">
   <ds:schemaRefs>
-    <ds:schemaRef ds:uri="http://www.w3.org/XML/1998/namespace"/>
-    <ds:schemaRef ds:uri="http://purl.org/dc/dcmitype/"/>
-    <ds:schemaRef ds:uri="http://purl.org/dc/elements/1.1/"/>
-    <ds:schemaRef ds:uri="d8a9b28a-468d-4f89-a24a-ae448d085101"/>
-    <ds:schemaRef ds:uri="http://purl.org/dc/terms/"/>
-    <ds:schemaRef ds:uri="http://schemas.microsoft.com/office/infopath/2007/PartnerControls"/>
-    <ds:schemaRef ds:uri="http://schemas.microsoft.com/office/2006/documentManagement/types"/>
-    <ds:schemaRef ds:uri="http://schemas.openxmlformats.org/package/2006/metadata/core-properties"/>
-    <ds:schemaRef ds:uri="46a18389-f917-48ab-8f10-3a1967a18774"/>
-    <ds:schemaRef ds:uri="http://schemas.microsoft.com/office/2006/metadata/properties"/>
+    <ds:schemaRef ds:uri="http://schemas.microsoft.com/sharepoint/v3/contenttype/forms"/>
   </ds:schemaRefs>
 </ds:datastoreItem>
 </file>
@@ -6289,9 +6316,18 @@
 </file>
 
 <file path=customXml/itemProps3.xml><?xml version="1.0" encoding="utf-8"?>
-<ds:datastoreItem xmlns:ds="http://schemas.openxmlformats.org/officeDocument/2006/customXml" ds:itemID="{2C74935E-4390-47DD-99CE-60A5373B7B50}">
+<ds:datastoreItem xmlns:ds="http://schemas.openxmlformats.org/officeDocument/2006/customXml" ds:itemID="{8A57D9F0-2B85-430B-8843-0027C0E6F07C}">
   <ds:schemaRefs>
-    <ds:schemaRef ds:uri="http://schemas.microsoft.com/sharepoint/v3/contenttype/forms"/>
+    <ds:schemaRef ds:uri="http://www.w3.org/XML/1998/namespace"/>
+    <ds:schemaRef ds:uri="http://purl.org/dc/dcmitype/"/>
+    <ds:schemaRef ds:uri="http://purl.org/dc/elements/1.1/"/>
+    <ds:schemaRef ds:uri="d8a9b28a-468d-4f89-a24a-ae448d085101"/>
+    <ds:schemaRef ds:uri="http://purl.org/dc/terms/"/>
+    <ds:schemaRef ds:uri="http://schemas.microsoft.com/office/infopath/2007/PartnerControls"/>
+    <ds:schemaRef ds:uri="http://schemas.microsoft.com/office/2006/documentManagement/types"/>
+    <ds:schemaRef ds:uri="http://schemas.openxmlformats.org/package/2006/metadata/core-properties"/>
+    <ds:schemaRef ds:uri="46a18389-f917-48ab-8f10-3a1967a18774"/>
+    <ds:schemaRef ds:uri="http://schemas.microsoft.com/office/2006/metadata/properties"/>
   </ds:schemaRefs>
 </ds:datastoreItem>
 </file>